--- a/idees_amelioration_appli.pptx
+++ b/idees_amelioration_appli.pptx
@@ -105,6 +105,11 @@
       </a:defRPr>
     </a:lvl9pPr>
   </p:defaultTextStyle>
+  <p:extLst>
+    <p:ext uri="{EFAFB233-063F-42B5-8137-9DF3F51BA10A}">
+      <p15:sldGuideLst xmlns:p15="http://schemas.microsoft.com/office/powerpoint/2012/main"/>
+    </p:ext>
+  </p:extLst>
 </p:presentation>
 </file>
 
@@ -255,7 +260,7 @@
           <a:p>
             <a:fld id="{C3BFE9D2-D5B3-4D16-8A16-A8C0BFA53B22}" type="datetimeFigureOut">
               <a:rPr lang="fr-FR" smtClean="0"/>
-              <a:t>04/05/2025</a:t>
+              <a:t>08/05/2025</a:t>
             </a:fld>
             <a:endParaRPr lang="fr-FR"/>
           </a:p>
@@ -453,7 +458,7 @@
           <a:p>
             <a:fld id="{C3BFE9D2-D5B3-4D16-8A16-A8C0BFA53B22}" type="datetimeFigureOut">
               <a:rPr lang="fr-FR" smtClean="0"/>
-              <a:t>04/05/2025</a:t>
+              <a:t>08/05/2025</a:t>
             </a:fld>
             <a:endParaRPr lang="fr-FR"/>
           </a:p>
@@ -661,7 +666,7 @@
           <a:p>
             <a:fld id="{C3BFE9D2-D5B3-4D16-8A16-A8C0BFA53B22}" type="datetimeFigureOut">
               <a:rPr lang="fr-FR" smtClean="0"/>
-              <a:t>04/05/2025</a:t>
+              <a:t>08/05/2025</a:t>
             </a:fld>
             <a:endParaRPr lang="fr-FR"/>
           </a:p>
@@ -859,7 +864,7 @@
           <a:p>
             <a:fld id="{C3BFE9D2-D5B3-4D16-8A16-A8C0BFA53B22}" type="datetimeFigureOut">
               <a:rPr lang="fr-FR" smtClean="0"/>
-              <a:t>04/05/2025</a:t>
+              <a:t>08/05/2025</a:t>
             </a:fld>
             <a:endParaRPr lang="fr-FR"/>
           </a:p>
@@ -1134,7 +1139,7 @@
           <a:p>
             <a:fld id="{C3BFE9D2-D5B3-4D16-8A16-A8C0BFA53B22}" type="datetimeFigureOut">
               <a:rPr lang="fr-FR" smtClean="0"/>
-              <a:t>04/05/2025</a:t>
+              <a:t>08/05/2025</a:t>
             </a:fld>
             <a:endParaRPr lang="fr-FR"/>
           </a:p>
@@ -1399,7 +1404,7 @@
           <a:p>
             <a:fld id="{C3BFE9D2-D5B3-4D16-8A16-A8C0BFA53B22}" type="datetimeFigureOut">
               <a:rPr lang="fr-FR" smtClean="0"/>
-              <a:t>04/05/2025</a:t>
+              <a:t>08/05/2025</a:t>
             </a:fld>
             <a:endParaRPr lang="fr-FR"/>
           </a:p>
@@ -1811,7 +1816,7 @@
           <a:p>
             <a:fld id="{C3BFE9D2-D5B3-4D16-8A16-A8C0BFA53B22}" type="datetimeFigureOut">
               <a:rPr lang="fr-FR" smtClean="0"/>
-              <a:t>04/05/2025</a:t>
+              <a:t>08/05/2025</a:t>
             </a:fld>
             <a:endParaRPr lang="fr-FR"/>
           </a:p>
@@ -1952,7 +1957,7 @@
           <a:p>
             <a:fld id="{C3BFE9D2-D5B3-4D16-8A16-A8C0BFA53B22}" type="datetimeFigureOut">
               <a:rPr lang="fr-FR" smtClean="0"/>
-              <a:t>04/05/2025</a:t>
+              <a:t>08/05/2025</a:t>
             </a:fld>
             <a:endParaRPr lang="fr-FR"/>
           </a:p>
@@ -2065,7 +2070,7 @@
           <a:p>
             <a:fld id="{C3BFE9D2-D5B3-4D16-8A16-A8C0BFA53B22}" type="datetimeFigureOut">
               <a:rPr lang="fr-FR" smtClean="0"/>
-              <a:t>04/05/2025</a:t>
+              <a:t>08/05/2025</a:t>
             </a:fld>
             <a:endParaRPr lang="fr-FR"/>
           </a:p>
@@ -2376,7 +2381,7 @@
           <a:p>
             <a:fld id="{C3BFE9D2-D5B3-4D16-8A16-A8C0BFA53B22}" type="datetimeFigureOut">
               <a:rPr lang="fr-FR" smtClean="0"/>
-              <a:t>04/05/2025</a:t>
+              <a:t>08/05/2025</a:t>
             </a:fld>
             <a:endParaRPr lang="fr-FR"/>
           </a:p>
@@ -2664,7 +2669,7 @@
           <a:p>
             <a:fld id="{C3BFE9D2-D5B3-4D16-8A16-A8C0BFA53B22}" type="datetimeFigureOut">
               <a:rPr lang="fr-FR" smtClean="0"/>
-              <a:t>04/05/2025</a:t>
+              <a:t>08/05/2025</a:t>
             </a:fld>
             <a:endParaRPr lang="fr-FR"/>
           </a:p>
@@ -2905,7 +2910,7 @@
           <a:p>
             <a:fld id="{C3BFE9D2-D5B3-4D16-8A16-A8C0BFA53B22}" type="datetimeFigureOut">
               <a:rPr lang="fr-FR" smtClean="0"/>
-              <a:t>04/05/2025</a:t>
+              <a:t>08/05/2025</a:t>
             </a:fld>
             <a:endParaRPr lang="fr-FR"/>
           </a:p>
@@ -3458,6 +3463,17 @@
               <a:rPr lang="fr-FR" dirty="0"/>
               <a:t>Ajouter la possibilité d’avoir plusieurs véhicules</a:t>
             </a:r>
+          </a:p>
+          <a:p>
+            <a:r>
+              <a:rPr lang="fr-FR" dirty="0"/>
+              <a:t>Sauvegarder les derniers prix de </a:t>
+            </a:r>
+            <a:r>
+              <a:rPr lang="fr-FR"/>
+              <a:t>chaque carburants</a:t>
+            </a:r>
+            <a:endParaRPr lang="fr-FR" dirty="0"/>
           </a:p>
         </p:txBody>
       </p:sp>

--- a/idees_amelioration_appli.pptx
+++ b/idees_amelioration_appli.pptx
@@ -260,7 +260,7 @@
           <a:p>
             <a:fld id="{C3BFE9D2-D5B3-4D16-8A16-A8C0BFA53B22}" type="datetimeFigureOut">
               <a:rPr lang="fr-FR" smtClean="0"/>
-              <a:t>08/05/2025</a:t>
+              <a:t>09/05/2025</a:t>
             </a:fld>
             <a:endParaRPr lang="fr-FR"/>
           </a:p>
@@ -458,7 +458,7 @@
           <a:p>
             <a:fld id="{C3BFE9D2-D5B3-4D16-8A16-A8C0BFA53B22}" type="datetimeFigureOut">
               <a:rPr lang="fr-FR" smtClean="0"/>
-              <a:t>08/05/2025</a:t>
+              <a:t>09/05/2025</a:t>
             </a:fld>
             <a:endParaRPr lang="fr-FR"/>
           </a:p>
@@ -666,7 +666,7 @@
           <a:p>
             <a:fld id="{C3BFE9D2-D5B3-4D16-8A16-A8C0BFA53B22}" type="datetimeFigureOut">
               <a:rPr lang="fr-FR" smtClean="0"/>
-              <a:t>08/05/2025</a:t>
+              <a:t>09/05/2025</a:t>
             </a:fld>
             <a:endParaRPr lang="fr-FR"/>
           </a:p>
@@ -864,7 +864,7 @@
           <a:p>
             <a:fld id="{C3BFE9D2-D5B3-4D16-8A16-A8C0BFA53B22}" type="datetimeFigureOut">
               <a:rPr lang="fr-FR" smtClean="0"/>
-              <a:t>08/05/2025</a:t>
+              <a:t>09/05/2025</a:t>
             </a:fld>
             <a:endParaRPr lang="fr-FR"/>
           </a:p>
@@ -1139,7 +1139,7 @@
           <a:p>
             <a:fld id="{C3BFE9D2-D5B3-4D16-8A16-A8C0BFA53B22}" type="datetimeFigureOut">
               <a:rPr lang="fr-FR" smtClean="0"/>
-              <a:t>08/05/2025</a:t>
+              <a:t>09/05/2025</a:t>
             </a:fld>
             <a:endParaRPr lang="fr-FR"/>
           </a:p>
@@ -1404,7 +1404,7 @@
           <a:p>
             <a:fld id="{C3BFE9D2-D5B3-4D16-8A16-A8C0BFA53B22}" type="datetimeFigureOut">
               <a:rPr lang="fr-FR" smtClean="0"/>
-              <a:t>08/05/2025</a:t>
+              <a:t>09/05/2025</a:t>
             </a:fld>
             <a:endParaRPr lang="fr-FR"/>
           </a:p>
@@ -1816,7 +1816,7 @@
           <a:p>
             <a:fld id="{C3BFE9D2-D5B3-4D16-8A16-A8C0BFA53B22}" type="datetimeFigureOut">
               <a:rPr lang="fr-FR" smtClean="0"/>
-              <a:t>08/05/2025</a:t>
+              <a:t>09/05/2025</a:t>
             </a:fld>
             <a:endParaRPr lang="fr-FR"/>
           </a:p>
@@ -1957,7 +1957,7 @@
           <a:p>
             <a:fld id="{C3BFE9D2-D5B3-4D16-8A16-A8C0BFA53B22}" type="datetimeFigureOut">
               <a:rPr lang="fr-FR" smtClean="0"/>
-              <a:t>08/05/2025</a:t>
+              <a:t>09/05/2025</a:t>
             </a:fld>
             <a:endParaRPr lang="fr-FR"/>
           </a:p>
@@ -2070,7 +2070,7 @@
           <a:p>
             <a:fld id="{C3BFE9D2-D5B3-4D16-8A16-A8C0BFA53B22}" type="datetimeFigureOut">
               <a:rPr lang="fr-FR" smtClean="0"/>
-              <a:t>08/05/2025</a:t>
+              <a:t>09/05/2025</a:t>
             </a:fld>
             <a:endParaRPr lang="fr-FR"/>
           </a:p>
@@ -2381,7 +2381,7 @@
           <a:p>
             <a:fld id="{C3BFE9D2-D5B3-4D16-8A16-A8C0BFA53B22}" type="datetimeFigureOut">
               <a:rPr lang="fr-FR" smtClean="0"/>
-              <a:t>08/05/2025</a:t>
+              <a:t>09/05/2025</a:t>
             </a:fld>
             <a:endParaRPr lang="fr-FR"/>
           </a:p>
@@ -2669,7 +2669,7 @@
           <a:p>
             <a:fld id="{C3BFE9D2-D5B3-4D16-8A16-A8C0BFA53B22}" type="datetimeFigureOut">
               <a:rPr lang="fr-FR" smtClean="0"/>
-              <a:t>08/05/2025</a:t>
+              <a:t>09/05/2025</a:t>
             </a:fld>
             <a:endParaRPr lang="fr-FR"/>
           </a:p>
@@ -2910,7 +2910,7 @@
           <a:p>
             <a:fld id="{C3BFE9D2-D5B3-4D16-8A16-A8C0BFA53B22}" type="datetimeFigureOut">
               <a:rPr lang="fr-FR" smtClean="0"/>
-              <a:t>08/05/2025</a:t>
+              <a:t>09/05/2025</a:t>
             </a:fld>
             <a:endParaRPr lang="fr-FR"/>
           </a:p>
@@ -3467,11 +3467,23 @@
           <a:p>
             <a:r>
               <a:rPr lang="fr-FR" dirty="0"/>
-              <a:t>Sauvegarder les derniers prix de </a:t>
-            </a:r>
-            <a:r>
-              <a:rPr lang="fr-FR"/>
-              <a:t>chaque carburants</a:t>
+              <a:t>Sauvegarder les derniers prix de chaque carburants</a:t>
+            </a:r>
+          </a:p>
+          <a:p>
+            <a:r>
+              <a:rPr lang="fr-FR" dirty="0"/>
+              <a:t>Sauvegarder les données grâce à 2 photos uniquement</a:t>
+            </a:r>
+          </a:p>
+          <a:p>
+            <a:r>
+              <a:rPr lang="fr-FR" dirty="0"/>
+              <a:t>Utiliser de la reconnaissance d’image sur ces </a:t>
+            </a:r>
+            <a:r>
+              <a:rPr lang="fr-FR"/>
+              <a:t>deux photos</a:t>
             </a:r>
             <a:endParaRPr lang="fr-FR" dirty="0"/>
           </a:p>
